--- a/img/sunriseclock.pptx
+++ b/img/sunriseclock.pptx
@@ -243,7 +243,7 @@
           <a:p>
             <a:fld id="{7F08029E-AC78-4AE7-8732-5208FE3A9769}" type="datetimeFigureOut">
               <a:rPr lang="sk-SK" smtClean="0"/>
-              <a:t>5.2.2021</a:t>
+              <a:t>10.1.2025</a:t>
             </a:fld>
             <a:endParaRPr lang="sk-SK"/>
           </a:p>
@@ -413,7 +413,7 @@
           <a:p>
             <a:fld id="{7F08029E-AC78-4AE7-8732-5208FE3A9769}" type="datetimeFigureOut">
               <a:rPr lang="sk-SK" smtClean="0"/>
-              <a:t>5.2.2021</a:t>
+              <a:t>10.1.2025</a:t>
             </a:fld>
             <a:endParaRPr lang="sk-SK"/>
           </a:p>
@@ -593,7 +593,7 @@
           <a:p>
             <a:fld id="{7F08029E-AC78-4AE7-8732-5208FE3A9769}" type="datetimeFigureOut">
               <a:rPr lang="sk-SK" smtClean="0"/>
-              <a:t>5.2.2021</a:t>
+              <a:t>10.1.2025</a:t>
             </a:fld>
             <a:endParaRPr lang="sk-SK"/>
           </a:p>
@@ -763,7 +763,7 @@
           <a:p>
             <a:fld id="{7F08029E-AC78-4AE7-8732-5208FE3A9769}" type="datetimeFigureOut">
               <a:rPr lang="sk-SK" smtClean="0"/>
-              <a:t>5.2.2021</a:t>
+              <a:t>10.1.2025</a:t>
             </a:fld>
             <a:endParaRPr lang="sk-SK"/>
           </a:p>
@@ -1009,7 +1009,7 @@
           <a:p>
             <a:fld id="{7F08029E-AC78-4AE7-8732-5208FE3A9769}" type="datetimeFigureOut">
               <a:rPr lang="sk-SK" smtClean="0"/>
-              <a:t>5.2.2021</a:t>
+              <a:t>10.1.2025</a:t>
             </a:fld>
             <a:endParaRPr lang="sk-SK"/>
           </a:p>
@@ -1241,7 +1241,7 @@
           <a:p>
             <a:fld id="{7F08029E-AC78-4AE7-8732-5208FE3A9769}" type="datetimeFigureOut">
               <a:rPr lang="sk-SK" smtClean="0"/>
-              <a:t>5.2.2021</a:t>
+              <a:t>10.1.2025</a:t>
             </a:fld>
             <a:endParaRPr lang="sk-SK"/>
           </a:p>
@@ -1608,7 +1608,7 @@
           <a:p>
             <a:fld id="{7F08029E-AC78-4AE7-8732-5208FE3A9769}" type="datetimeFigureOut">
               <a:rPr lang="sk-SK" smtClean="0"/>
-              <a:t>5.2.2021</a:t>
+              <a:t>10.1.2025</a:t>
             </a:fld>
             <a:endParaRPr lang="sk-SK"/>
           </a:p>
@@ -1726,7 +1726,7 @@
           <a:p>
             <a:fld id="{7F08029E-AC78-4AE7-8732-5208FE3A9769}" type="datetimeFigureOut">
               <a:rPr lang="sk-SK" smtClean="0"/>
-              <a:t>5.2.2021</a:t>
+              <a:t>10.1.2025</a:t>
             </a:fld>
             <a:endParaRPr lang="sk-SK"/>
           </a:p>
@@ -1821,7 +1821,7 @@
           <a:p>
             <a:fld id="{7F08029E-AC78-4AE7-8732-5208FE3A9769}" type="datetimeFigureOut">
               <a:rPr lang="sk-SK" smtClean="0"/>
-              <a:t>5.2.2021</a:t>
+              <a:t>10.1.2025</a:t>
             </a:fld>
             <a:endParaRPr lang="sk-SK"/>
           </a:p>
@@ -2098,7 +2098,7 @@
           <a:p>
             <a:fld id="{7F08029E-AC78-4AE7-8732-5208FE3A9769}" type="datetimeFigureOut">
               <a:rPr lang="sk-SK" smtClean="0"/>
-              <a:t>5.2.2021</a:t>
+              <a:t>10.1.2025</a:t>
             </a:fld>
             <a:endParaRPr lang="sk-SK"/>
           </a:p>
@@ -2351,7 +2351,7 @@
           <a:p>
             <a:fld id="{7F08029E-AC78-4AE7-8732-5208FE3A9769}" type="datetimeFigureOut">
               <a:rPr lang="sk-SK" smtClean="0"/>
-              <a:t>5.2.2021</a:t>
+              <a:t>10.1.2025</a:t>
             </a:fld>
             <a:endParaRPr lang="sk-SK"/>
           </a:p>
@@ -2564,7 +2564,7 @@
           <a:p>
             <a:fld id="{7F08029E-AC78-4AE7-8732-5208FE3A9769}" type="datetimeFigureOut">
               <a:rPr lang="sk-SK" smtClean="0"/>
-              <a:t>5.2.2021</a:t>
+              <a:t>10.1.2025</a:t>
             </a:fld>
             <a:endParaRPr lang="sk-SK"/>
           </a:p>
@@ -3150,7 +3150,7 @@
         </p:nvSpPr>
         <p:spPr>
           <a:xfrm>
-            <a:off x="9042066" y="2482771"/>
+            <a:off x="9042066" y="2479962"/>
             <a:ext cx="2034862" cy="923330"/>
           </a:xfrm>
           <a:prstGeom prst="rect">
@@ -3184,13 +3184,8 @@
             <a:pPr algn="ctr"/>
             <a:r>
               <a:rPr lang="en-US" dirty="0" smtClean="0"/>
-              <a:t>Alarm</a:t>
-            </a:r>
-            <a:r>
-              <a:rPr lang="en-US" smtClean="0"/>
-              <a:t>: no/on/1-5</a:t>
-            </a:r>
-            <a:endParaRPr lang="en-US" dirty="0" smtClean="0"/>
+              <a:t>Alarm: no/on/1-5</a:t>
+            </a:r>
           </a:p>
           <a:p>
             <a:pPr algn="ctr"/>
@@ -3214,7 +3209,7 @@
         </p:nvSpPr>
         <p:spPr>
           <a:xfrm>
-            <a:off x="3140101" y="4098366"/>
+            <a:off x="289334" y="4004739"/>
             <a:ext cx="2034865" cy="923330"/>
           </a:xfrm>
           <a:prstGeom prst="rect">
@@ -3331,7 +3326,7 @@
         </p:nvSpPr>
         <p:spPr>
           <a:xfrm>
-            <a:off x="9042066" y="4098993"/>
+            <a:off x="6094467" y="3996988"/>
             <a:ext cx="2034865" cy="923330"/>
           </a:xfrm>
           <a:prstGeom prst="rect">
@@ -3394,7 +3389,7 @@
         </p:nvSpPr>
         <p:spPr>
           <a:xfrm>
-            <a:off x="6083169" y="4090615"/>
+            <a:off x="3164183" y="4004739"/>
             <a:ext cx="2034865" cy="923330"/>
           </a:xfrm>
           <a:prstGeom prst="rect">
@@ -3496,12 +3491,12 @@
         <p:spPr>
           <a:xfrm>
             <a:off x="5150193" y="1351499"/>
-            <a:ext cx="4909304" cy="1131272"/>
+            <a:ext cx="4909304" cy="1128463"/>
           </a:xfrm>
           <a:prstGeom prst="straightConnector1">
             <a:avLst/>
           </a:prstGeom>
-          <a:ln w="19050">
+          <a:ln w="38100">
             <a:solidFill>
               <a:schemeClr val="tx1"/>
             </a:solidFill>
@@ -3567,14 +3562,14 @@
           <p:cNvPr id="34" name="Straight Arrow Connector 33"/>
           <p:cNvCxnSpPr>
             <a:stCxn id="7" idx="0"/>
-            <a:endCxn id="4" idx="2"/>
+            <a:endCxn id="4" idx="1"/>
           </p:cNvCxnSpPr>
           <p:nvPr/>
         </p:nvCxnSpPr>
         <p:spPr>
-          <a:xfrm flipH="1" flipV="1">
-            <a:off x="4148651" y="3417430"/>
-            <a:ext cx="8883" cy="680936"/>
+          <a:xfrm flipV="1">
+            <a:off x="1306767" y="2955765"/>
+            <a:ext cx="1824451" cy="1048974"/>
           </a:xfrm>
           <a:prstGeom prst="straightConnector1">
             <a:avLst/>
@@ -3613,8 +3608,8 @@
         </p:nvCxnSpPr>
         <p:spPr>
           <a:xfrm flipV="1">
-            <a:off x="1306767" y="1351499"/>
-            <a:ext cx="1808560" cy="1132295"/>
+            <a:off x="1333998" y="1351499"/>
+            <a:ext cx="1781329" cy="853155"/>
           </a:xfrm>
           <a:prstGeom prst="straightConnector1">
             <a:avLst/>
@@ -3693,7 +3688,7 @@
         <p:spPr>
           <a:xfrm>
             <a:off x="8141061" y="2941627"/>
-            <a:ext cx="901005" cy="2809"/>
+            <a:ext cx="901005" cy="0"/>
           </a:xfrm>
           <a:prstGeom prst="straightConnector1">
             <a:avLst/>
@@ -3731,9 +3726,9 @@
           <p:nvPr/>
         </p:nvCxnSpPr>
         <p:spPr>
-          <a:xfrm flipV="1">
-            <a:off x="5174966" y="4552280"/>
-            <a:ext cx="908203" cy="7751"/>
+          <a:xfrm>
+            <a:off x="2324199" y="4466404"/>
+            <a:ext cx="839984" cy="0"/>
           </a:xfrm>
           <a:prstGeom prst="straightConnector1">
             <a:avLst/>
@@ -3771,9 +3766,9 @@
           <p:nvPr/>
         </p:nvCxnSpPr>
         <p:spPr>
-          <a:xfrm>
-            <a:off x="8118034" y="4552280"/>
-            <a:ext cx="924032" cy="8378"/>
+          <a:xfrm flipV="1">
+            <a:off x="5199048" y="4458653"/>
+            <a:ext cx="895419" cy="7751"/>
           </a:xfrm>
           <a:prstGeom prst="straightConnector1">
             <a:avLst/>
@@ -3805,15 +3800,15 @@
         <p:nvCxnSpPr>
           <p:cNvPr id="264" name="Straight Arrow Connector 263"/>
           <p:cNvCxnSpPr>
-            <a:stCxn id="9" idx="0"/>
+            <a:stCxn id="53" idx="0"/>
             <a:endCxn id="6" idx="2"/>
           </p:cNvCxnSpPr>
           <p:nvPr/>
         </p:nvCxnSpPr>
         <p:spPr>
-          <a:xfrm flipH="1" flipV="1">
-            <a:off x="10059497" y="3406101"/>
-            <a:ext cx="2" cy="692892"/>
+          <a:xfrm flipV="1">
+            <a:off x="10059497" y="3403292"/>
+            <a:ext cx="0" cy="593696"/>
           </a:xfrm>
           <a:prstGeom prst="straightConnector1">
             <a:avLst/>
@@ -3849,7 +3844,7 @@
         </p:nvSpPr>
         <p:spPr>
           <a:xfrm>
-            <a:off x="7590229" y="5792490"/>
+            <a:off x="4739462" y="5698863"/>
             <a:ext cx="2034866" cy="646331"/>
           </a:xfrm>
           <a:prstGeom prst="rect">
@@ -3900,8 +3895,8 @@
         </p:nvCxnSpPr>
         <p:spPr>
           <a:xfrm>
-            <a:off x="7100602" y="5013945"/>
-            <a:ext cx="1507060" cy="778545"/>
+            <a:off x="4181616" y="4928069"/>
+            <a:ext cx="1575279" cy="770794"/>
           </a:xfrm>
           <a:prstGeom prst="straightConnector1">
             <a:avLst/>
@@ -3940,8 +3935,8 @@
         </p:nvCxnSpPr>
         <p:spPr>
           <a:xfrm flipV="1">
-            <a:off x="8607662" y="5022323"/>
-            <a:ext cx="1451837" cy="770167"/>
+            <a:off x="5756895" y="4920318"/>
+            <a:ext cx="1355005" cy="778545"/>
           </a:xfrm>
           <a:prstGeom prst="straightConnector1">
             <a:avLst/>
@@ -3976,9 +3971,9 @@
           <p:nvPr/>
         </p:nvSpPr>
         <p:spPr>
-          <a:xfrm rot="19602157">
-            <a:off x="952941" y="1830617"/>
-            <a:ext cx="1584088" cy="369332"/>
+          <a:xfrm rot="20024503">
+            <a:off x="1178902" y="1523635"/>
+            <a:ext cx="1823570" cy="369332"/>
           </a:xfrm>
           <a:prstGeom prst="rect">
             <a:avLst/>
@@ -3986,7 +3981,7 @@
           <a:noFill/>
         </p:spPr>
         <p:txBody>
-          <a:bodyPr wrap="none" rtlCol="0">
+          <a:bodyPr wrap="square" rtlCol="0">
             <a:spAutoFit/>
           </a:bodyPr>
           <a:lstStyle/>
@@ -4005,9 +4000,9 @@
           <p:nvPr/>
         </p:nvSpPr>
         <p:spPr>
-          <a:xfrm rot="704618">
-            <a:off x="5791399" y="1273013"/>
-            <a:ext cx="1098378" cy="369332"/>
+          <a:xfrm rot="750338">
+            <a:off x="5769317" y="1487717"/>
+            <a:ext cx="3208158" cy="369332"/>
           </a:xfrm>
           <a:prstGeom prst="rect">
             <a:avLst/>
@@ -4015,7 +4010,7 @@
           <a:noFill/>
         </p:spPr>
         <p:txBody>
-          <a:bodyPr wrap="none" rtlCol="0">
+          <a:bodyPr wrap="square" rtlCol="0">
             <a:spAutoFit/>
           </a:bodyPr>
           <a:lstStyle/>
@@ -4026,7 +4021,11 @@
             </a:r>
             <a:r>
               <a:rPr lang="en-US" dirty="0" smtClean="0"/>
-              <a:t>ong push</a:t>
+              <a:t>ong </a:t>
+            </a:r>
+            <a:r>
+              <a:rPr lang="en-US" dirty="0" smtClean="0"/>
+              <a:t>push to enter the menu</a:t>
             </a:r>
             <a:endParaRPr lang="sk-SK" dirty="0"/>
           </a:p>
@@ -4039,8 +4038,8 @@
           <p:nvPr/>
         </p:nvSpPr>
         <p:spPr>
-          <a:xfrm rot="1987248">
-            <a:off x="1863845" y="4178758"/>
+          <a:xfrm>
+            <a:off x="295953" y="3499457"/>
             <a:ext cx="1371273" cy="369332"/>
           </a:xfrm>
           <a:prstGeom prst="rect">
@@ -4104,7 +4103,7 @@
         </p:nvSpPr>
         <p:spPr>
           <a:xfrm>
-            <a:off x="9474803" y="5238357"/>
+            <a:off x="6624036" y="5144730"/>
             <a:ext cx="639919" cy="369332"/>
           </a:xfrm>
           <a:prstGeom prst="rect">
@@ -4134,7 +4133,7 @@
         </p:nvSpPr>
         <p:spPr>
           <a:xfrm>
-            <a:off x="7020512" y="5238357"/>
+            <a:off x="4169745" y="5144730"/>
             <a:ext cx="639919" cy="369332"/>
           </a:xfrm>
           <a:prstGeom prst="rect">
@@ -4254,7 +4253,7 @@
         </p:nvSpPr>
         <p:spPr>
           <a:xfrm>
-            <a:off x="4232223" y="3535156"/>
+            <a:off x="2130680" y="3510145"/>
             <a:ext cx="755400" cy="369332"/>
           </a:xfrm>
           <a:prstGeom prst="rect">
@@ -4284,7 +4283,7 @@
         </p:nvSpPr>
         <p:spPr>
           <a:xfrm>
-            <a:off x="5275150" y="4157770"/>
+            <a:off x="2424383" y="4064143"/>
             <a:ext cx="755400" cy="369332"/>
           </a:xfrm>
           <a:prstGeom prst="rect">
@@ -4314,7 +4313,7 @@
         </p:nvSpPr>
         <p:spPr>
           <a:xfrm>
-            <a:off x="8193593" y="4178759"/>
+            <a:off x="5309424" y="4078163"/>
             <a:ext cx="755400" cy="369332"/>
           </a:xfrm>
           <a:prstGeom prst="rect">
@@ -4344,7 +4343,7 @@
         </p:nvSpPr>
         <p:spPr>
           <a:xfrm>
-            <a:off x="289334" y="2483794"/>
+            <a:off x="316565" y="2204654"/>
             <a:ext cx="2034865" cy="923330"/>
           </a:xfrm>
           <a:prstGeom prst="rect">
@@ -4395,15 +4394,15 @@
         <p:nvCxnSpPr>
           <p:cNvPr id="360" name="Straight Arrow Connector 359"/>
           <p:cNvCxnSpPr>
-            <a:stCxn id="7" idx="1"/>
+            <a:stCxn id="7" idx="0"/>
             <a:endCxn id="346" idx="2"/>
           </p:cNvCxnSpPr>
           <p:nvPr/>
         </p:nvCxnSpPr>
         <p:spPr>
-          <a:xfrm flipH="1" flipV="1">
-            <a:off x="1306767" y="3407124"/>
-            <a:ext cx="1833334" cy="1152907"/>
+          <a:xfrm flipV="1">
+            <a:off x="1306767" y="3127984"/>
+            <a:ext cx="27231" cy="876755"/>
           </a:xfrm>
           <a:prstGeom prst="straightConnector1">
             <a:avLst/>
@@ -4675,27 +4674,204 @@
           <a:p>
             <a:r>
               <a:rPr lang="en-US" dirty="0" smtClean="0"/>
-              <a:t>Push </a:t>
-            </a:r>
+              <a:t>Push to show alarm time </a:t>
+            </a:r>
+          </a:p>
+          <a:p>
             <a:r>
               <a:rPr lang="en-US" dirty="0" smtClean="0"/>
-              <a:t>to show alarm time </a:t>
-            </a:r>
-          </a:p>
-          <a:p>
-            <a:r>
-              <a:rPr lang="en-US" dirty="0" smtClean="0"/>
-              <a:t>and to </a:t>
-            </a:r>
-            <a:r>
-              <a:rPr lang="en-US" dirty="0" smtClean="0"/>
-              <a:t>stop  </a:t>
+              <a:t>and to stop  </a:t>
             </a:r>
           </a:p>
           <a:p>
             <a:r>
               <a:rPr lang="en-US" dirty="0" smtClean="0"/>
               <a:t>alarm/sleep/light</a:t>
+            </a:r>
+            <a:endParaRPr lang="sk-SK" dirty="0"/>
+          </a:p>
+        </p:txBody>
+      </p:sp>
+      <p:sp>
+        <p:nvSpPr>
+          <p:cNvPr id="53" name="TextBox 52"/>
+          <p:cNvSpPr txBox="1"/>
+          <p:nvPr/>
+        </p:nvSpPr>
+        <p:spPr>
+          <a:xfrm>
+            <a:off x="9042066" y="3996988"/>
+            <a:ext cx="2034862" cy="2308324"/>
+          </a:xfrm>
+          <a:prstGeom prst="rect">
+            <a:avLst/>
+          </a:prstGeom>
+          <a:solidFill>
+            <a:schemeClr val="accent1">
+              <a:lumMod val="20000"/>
+              <a:lumOff val="80000"/>
+            </a:schemeClr>
+          </a:solidFill>
+          <a:ln>
+            <a:solidFill>
+              <a:schemeClr val="tx1"/>
+            </a:solidFill>
+          </a:ln>
+        </p:spPr>
+        <p:txBody>
+          <a:bodyPr wrap="square" rtlCol="0">
+            <a:spAutoFit/>
+          </a:bodyPr>
+          <a:lstStyle/>
+          <a:p>
+            <a:pPr algn="ctr"/>
+            <a:r>
+              <a:rPr lang="en-US" dirty="0" smtClean="0"/>
+              <a:t>menu</a:t>
+            </a:r>
+          </a:p>
+          <a:p>
+            <a:pPr algn="ctr"/>
+            <a:r>
+              <a:rPr lang="en-US" dirty="0" err="1" smtClean="0"/>
+              <a:t>EF:xx</a:t>
+            </a:r>
+            <a:endParaRPr lang="en-US" dirty="0" smtClean="0"/>
+          </a:p>
+          <a:p>
+            <a:pPr algn="ctr"/>
+            <a:r>
+              <a:rPr lang="en-US" dirty="0"/>
+              <a:t>p</a:t>
+            </a:r>
+            <a:r>
+              <a:rPr lang="en-US" dirty="0" smtClean="0"/>
+              <a:t>ush to </a:t>
+            </a:r>
+            <a:r>
+              <a:rPr lang="en-US" dirty="0" smtClean="0"/>
+              <a:t>change</a:t>
+            </a:r>
+          </a:p>
+          <a:p>
+            <a:pPr algn="ctr"/>
+            <a:r>
+              <a:rPr lang="en-US" dirty="0" smtClean="0"/>
+              <a:t>alarm effects</a:t>
+            </a:r>
+            <a:endParaRPr lang="en-US" dirty="0"/>
+          </a:p>
+          <a:p>
+            <a:pPr algn="ctr"/>
+            <a:r>
+              <a:rPr lang="en-US" dirty="0" err="1" smtClean="0"/>
+              <a:t>Sr</a:t>
+            </a:r>
+            <a:r>
+              <a:rPr lang="en-US" dirty="0" smtClean="0"/>
+              <a:t> </a:t>
+            </a:r>
+            <a:r>
+              <a:rPr lang="en-US" dirty="0"/>
+              <a:t>– sun rise</a:t>
+            </a:r>
+          </a:p>
+          <a:p>
+            <a:pPr algn="ctr"/>
+            <a:r>
+              <a:rPr lang="en-US" dirty="0" err="1"/>
+              <a:t>bL</a:t>
+            </a:r>
+            <a:r>
+              <a:rPr lang="en-US" dirty="0"/>
+              <a:t> – blink</a:t>
+            </a:r>
+          </a:p>
+          <a:p>
+            <a:pPr algn="ctr"/>
+            <a:r>
+              <a:rPr lang="en-US" dirty="0"/>
+              <a:t>Cc - cycle</a:t>
+            </a:r>
+          </a:p>
+          <a:p>
+            <a:pPr algn="ctr"/>
+            <a:r>
+              <a:rPr lang="en-US" dirty="0"/>
+              <a:t>Pu -</a:t>
+            </a:r>
+            <a:r>
+              <a:rPr lang="en-US" dirty="0" smtClean="0"/>
+              <a:t>pulse</a:t>
+            </a:r>
+            <a:endParaRPr lang="sk-SK" dirty="0"/>
+          </a:p>
+        </p:txBody>
+      </p:sp>
+      <p:cxnSp>
+        <p:nvCxnSpPr>
+          <p:cNvPr id="55" name="Straight Arrow Connector 54"/>
+          <p:cNvCxnSpPr>
+            <a:stCxn id="9" idx="3"/>
+          </p:cNvCxnSpPr>
+          <p:nvPr/>
+        </p:nvCxnSpPr>
+        <p:spPr>
+          <a:xfrm>
+            <a:off x="8129332" y="4458653"/>
+            <a:ext cx="912734" cy="0"/>
+          </a:xfrm>
+          <a:prstGeom prst="straightConnector1">
+            <a:avLst/>
+          </a:prstGeom>
+          <a:ln w="19050">
+            <a:solidFill>
+              <a:schemeClr val="tx1"/>
+            </a:solidFill>
+            <a:headEnd type="triangle" w="lg" len="med"/>
+            <a:tailEnd type="triangle" w="lg" len="med"/>
+          </a:ln>
+        </p:spPr>
+        <p:style>
+          <a:lnRef idx="1">
+            <a:schemeClr val="accent1"/>
+          </a:lnRef>
+          <a:fillRef idx="0">
+            <a:schemeClr val="accent1"/>
+          </a:fillRef>
+          <a:effectRef idx="0">
+            <a:schemeClr val="accent1"/>
+          </a:effectRef>
+          <a:fontRef idx="minor">
+            <a:schemeClr val="tx1"/>
+          </a:fontRef>
+        </p:style>
+      </p:cxnSp>
+      <p:sp>
+        <p:nvSpPr>
+          <p:cNvPr id="56" name="TextBox 55"/>
+          <p:cNvSpPr txBox="1"/>
+          <p:nvPr/>
+        </p:nvSpPr>
+        <p:spPr>
+          <a:xfrm>
+            <a:off x="8220737" y="4043576"/>
+            <a:ext cx="755400" cy="369332"/>
+          </a:xfrm>
+          <a:prstGeom prst="rect">
+            <a:avLst/>
+          </a:prstGeom>
+          <a:noFill/>
+        </p:spPr>
+        <p:txBody>
+          <a:bodyPr wrap="none" rtlCol="0">
+            <a:spAutoFit/>
+          </a:bodyPr>
+          <a:lstStyle/>
+          <a:p>
+            <a:r>
+              <a:rPr lang="en-US" dirty="0" smtClean="0"/>
+              <a:t>rotate</a:t>
             </a:r>
             <a:endParaRPr lang="sk-SK" dirty="0"/>
           </a:p>
